--- a/source/Documentation(Scalar Encoder With Buckets- 2022-2023)/Group Presentation[ScalarEncoder with Buckets].pptx
+++ b/source/Documentation(Scalar Encoder With Buckets- 2022-2023)/Group Presentation[ScalarEncoder with Buckets].pptx
@@ -12995,7 +12995,7 @@
         </p:nvSpPr>
         <p:spPr>
           <a:xfrm>
-            <a:off x="976373" y="483306"/>
+            <a:off x="921509" y="807997"/>
             <a:ext cx="8895670" cy="914400"/>
           </a:xfrm>
         </p:spPr>
@@ -13033,8 +13033,8 @@
         </p:nvSpPr>
         <p:spPr>
           <a:xfrm>
-            <a:off x="742358" y="1397706"/>
-            <a:ext cx="10563879" cy="4678204"/>
+            <a:off x="742358" y="1907118"/>
+            <a:ext cx="10563879" cy="3539430"/>
           </a:xfrm>
           <a:prstGeom prst="rect">
             <a:avLst/>
@@ -13047,10 +13047,6 @@
           </a:bodyPr>
           <a:lstStyle/>
           <a:p>
-            <a:pPr marL="285750" indent="-285750">
-              <a:buFont typeface="Arial" panose="020B0604020202020204" pitchFamily="34" charset="0"/>
-              <a:buChar char="•"/>
-            </a:pPr>
             <a:r>
               <a:rPr lang="en-IN" sz="1400" dirty="0">
                 <a:latin typeface="Times New Roman" panose="02020603050405020304" pitchFamily="18" charset="0"/>
@@ -13058,12 +13054,18 @@
               </a:rPr>
               <a:t>From all the testcases carried out in the training phase</a:t>
             </a:r>
-            <a:br>
-              <a:rPr lang="en-IN" sz="1400" dirty="0">
-                <a:latin typeface="Times New Roman" panose="02020603050405020304" pitchFamily="18" charset="0"/>
-                <a:cs typeface="Times New Roman" panose="02020603050405020304" pitchFamily="18" charset="0"/>
-              </a:rPr>
-            </a:br>
+          </a:p>
+          <a:p>
+            <a:endParaRPr lang="en-IN" sz="1400" dirty="0">
+              <a:latin typeface="Times New Roman" panose="02020603050405020304" pitchFamily="18" charset="0"/>
+              <a:cs typeface="Times New Roman" panose="02020603050405020304" pitchFamily="18" charset="0"/>
+            </a:endParaRPr>
+          </a:p>
+          <a:p>
+            <a:pPr marL="285750" indent="-285750">
+              <a:buFont typeface="Arial" panose="020B0604020202020204" pitchFamily="34" charset="0"/>
+              <a:buChar char="•"/>
+            </a:pPr>
             <a:r>
               <a:rPr lang="en-US" sz="1400" b="1" dirty="0">
                 <a:latin typeface="Times New Roman" panose="02020603050405020304" pitchFamily="18" charset="0"/>
@@ -13081,10 +13083,15 @@
             <a:r>
               <a:rPr lang="en-US" sz="1400" b="0" i="0" dirty="0">
                 <a:effectLst/>
-                <a:latin typeface="Söhne"/>
+                <a:latin typeface="Times New Roman" panose="02020603050405020304" pitchFamily="18" charset="0"/>
+                <a:cs typeface="Times New Roman" panose="02020603050405020304" pitchFamily="18" charset="0"/>
               </a:rPr>
-              <a:t>The method EncodeIntoArray in the Scalar Encoder with Buckets maps input values to continuous ranges of buckets instead of individual buckets, allowing for better precision in encoding data. The ClosenessScores method calculates the closeness score of an input value to each bucket range, indicating the level of activation for each bucket range. This provides a more precise encoding of input data compared to the Scalar Encoder, where the input values are mapped to individual buckets. </a:t>
+              <a:t>The implementation includes the EncodeIntoArray method that maps input values to continuous ranges of buckets and the ClosenessScores method that calculates the closeness score, resulting in a more precise encoding of input data compared to the Scalar Encoder.</a:t>
             </a:r>
+            <a:endParaRPr lang="en-US" sz="1400" dirty="0">
+              <a:latin typeface="Times New Roman" panose="02020603050405020304" pitchFamily="18" charset="0"/>
+              <a:cs typeface="Times New Roman" panose="02020603050405020304" pitchFamily="18" charset="0"/>
+            </a:endParaRPr>
           </a:p>
           <a:p>
             <a:pPr marL="285750" indent="-285750">
@@ -13092,7 +13099,7 @@
               <a:buChar char="•"/>
             </a:pPr>
             <a:endParaRPr lang="en-US" sz="1400" dirty="0">
-              <a:latin typeface="Söhne"/>
+              <a:latin typeface="Times New Roman" panose="02020603050405020304" pitchFamily="18" charset="0"/>
               <a:cs typeface="Times New Roman" panose="02020603050405020304" pitchFamily="18" charset="0"/>
             </a:endParaRPr>
           </a:p>
@@ -13111,10 +13118,25 @@
             <a:r>
               <a:rPr lang="en-US" sz="1400" b="0" i="0" dirty="0">
                 <a:effectLst/>
-                <a:latin typeface="Söhne"/>
+                <a:latin typeface="Times New Roman" panose="02020603050405020304" pitchFamily="18" charset="0"/>
+                <a:cs typeface="Times New Roman" panose="02020603050405020304" pitchFamily="18" charset="0"/>
               </a:rPr>
-              <a:t>The Scalar Encoder with Buckets automatically sets parameters such as the number of buckets and bucket size based on the input data, making it more flexible and easier to adapt to different datasets. The GenerateRangeDescription method generates a description of the bucket ranges used to encode the input data, which can help users understand the encoding scheme and adjust the parameters as needed. This increases the flexibility of the Scalar Encoder with Buckets and makes it easier to adapt to different datasets.</a:t>
+              <a:t>The Scalar Encoder with Buckets adapts to input data by automatically setting parameters and generates a description of bucket ranges, making it more flexible and user-friendly for different datasets.</a:t>
             </a:r>
+            <a:endParaRPr lang="en-US" sz="1400" b="1" dirty="0">
+              <a:latin typeface="Times New Roman" panose="02020603050405020304" pitchFamily="18" charset="0"/>
+              <a:cs typeface="Times New Roman" panose="02020603050405020304" pitchFamily="18" charset="0"/>
+            </a:endParaRPr>
+          </a:p>
+          <a:p>
+            <a:pPr marL="285750" indent="-285750">
+              <a:buFont typeface="Arial" panose="020B0604020202020204" pitchFamily="34" charset="0"/>
+              <a:buChar char="•"/>
+            </a:pPr>
+            <a:endParaRPr lang="en-US" sz="1400" b="1" dirty="0">
+              <a:latin typeface="Times New Roman" panose="02020603050405020304" pitchFamily="18" charset="0"/>
+              <a:cs typeface="Times New Roman" panose="02020603050405020304" pitchFamily="18" charset="0"/>
+            </a:endParaRPr>
           </a:p>
           <a:p>
             <a:pPr marL="285750" indent="-285750">
@@ -13134,24 +13156,37 @@
             <a:r>
               <a:rPr lang="en-IN" sz="1400" b="1" i="0" dirty="0">
                 <a:effectLst/>
-                <a:latin typeface="Söhne"/>
+                <a:latin typeface="Times New Roman" panose="02020603050405020304" pitchFamily="18" charset="0"/>
+                <a:cs typeface="Times New Roman" panose="02020603050405020304" pitchFamily="18" charset="0"/>
               </a:rPr>
               <a:t>Periodic encoding:</a:t>
             </a:r>
             <a:r>
               <a:rPr lang="en-US" sz="1400" b="1" i="0" dirty="0">
                 <a:effectLst/>
-                <a:latin typeface="Söhne"/>
+                <a:latin typeface="Times New Roman" panose="02020603050405020304" pitchFamily="18" charset="0"/>
+                <a:cs typeface="Times New Roman" panose="02020603050405020304" pitchFamily="18" charset="0"/>
               </a:rPr>
               <a:t> </a:t>
             </a:r>
             <a:r>
               <a:rPr lang="en-US" sz="1400" b="0" i="0" dirty="0">
                 <a:effectLst/>
-                <a:latin typeface="Söhne"/>
+                <a:latin typeface="Times New Roman" panose="02020603050405020304" pitchFamily="18" charset="0"/>
+                <a:cs typeface="Times New Roman" panose="02020603050405020304" pitchFamily="18" charset="0"/>
               </a:rPr>
-              <a:t>The Scalar Encoder with Buckets supports periodic encoding of values, allowing for better handling of cyclical data. The GetTopDownMapping method generates a mapping of the bucket ranges to a hierarchy of levels, which can be useful for representing cyclical data such as time of day or day of the week. The GetBucketValues method returns the list of bucket values for a given bucket range, allowing users to encode cyclical data using a periodic encoding scheme.</a:t>
+              <a:t>The implementation section includes the Scalar Encoder with Buckets, which supports periodic encoding of values, generating mappings and returning bucket values for encoding cyclical data..</a:t>
             </a:r>
+            <a:endParaRPr lang="en-US" sz="1400" dirty="0">
+              <a:latin typeface="Times New Roman" panose="02020603050405020304" pitchFamily="18" charset="0"/>
+              <a:cs typeface="Times New Roman" panose="02020603050405020304" pitchFamily="18" charset="0"/>
+            </a:endParaRPr>
+          </a:p>
+          <a:p>
+            <a:pPr marL="285750" indent="-285750">
+              <a:buFont typeface="Arial" panose="020B0604020202020204" pitchFamily="34" charset="0"/>
+              <a:buChar char="•"/>
+            </a:pPr>
             <a:endParaRPr lang="en-US" sz="1400" dirty="0">
               <a:latin typeface="Times New Roman" panose="02020603050405020304" pitchFamily="18" charset="0"/>
               <a:cs typeface="Times New Roman" panose="02020603050405020304" pitchFamily="18" charset="0"/>
@@ -13180,19 +13215,17 @@
               <a:t>Improved Encoding Scheme: </a:t>
             </a:r>
             <a:r>
-              <a:rPr lang="en-US" sz="1400" dirty="0">
+              <a:rPr lang="en-US" sz="1400" b="0" i="0" dirty="0">
+                <a:effectLst/>
                 <a:latin typeface="Times New Roman" panose="02020603050405020304" pitchFamily="18" charset="0"/>
                 <a:cs typeface="Times New Roman" panose="02020603050405020304" pitchFamily="18" charset="0"/>
               </a:rPr>
-              <a:t>The Scalar Encoder with Buckets provides an improved encoding scheme compared to the Scalar Encoder by using continuous ranges of buckets instead of individual buckets. The GetBucketIndex method returns the index of the bucket range that an input value belongs to, allowing for a more efficient encoding of data. The decode method can be used to decode the encoded data back to the original input values, providing a lossless representation of the data. This improved encoding scheme can overcome the limited precision and inflexibility of the Scalar Encoder and provide better performance</a:t>
+              <a:t>The Scalar Encoder with Buckets is an enhanced encoding scheme that utilizes continuous ranges of buckets, providing improved efficiency and performance compared to the limited precision and inflexibility of the Scalar Encoder.</a:t>
             </a:r>
-            <a:r>
-              <a:rPr lang="en-US" dirty="0">
-                <a:latin typeface="Times New Roman" panose="02020603050405020304" pitchFamily="18" charset="0"/>
-                <a:cs typeface="Times New Roman" panose="02020603050405020304" pitchFamily="18" charset="0"/>
-              </a:rPr>
-              <a:t>.</a:t>
-            </a:r>
+            <a:endParaRPr lang="en-US" sz="1400" dirty="0">
+              <a:latin typeface="Times New Roman" panose="02020603050405020304" pitchFamily="18" charset="0"/>
+              <a:cs typeface="Times New Roman" panose="02020603050405020304" pitchFamily="18" charset="0"/>
+            </a:endParaRPr>
           </a:p>
         </p:txBody>
       </p:sp>

--- a/source/Documentation(Scalar Encoder With Buckets- 2022-2023)/Group Presentation[ScalarEncoder with Buckets].pptx
+++ b/source/Documentation(Scalar Encoder With Buckets- 2022-2023)/Group Presentation[ScalarEncoder with Buckets].pptx
@@ -16869,7 +16869,7 @@
                 <a:ea typeface="+mn-ea"/>
                 <a:cs typeface="Times New Roman" panose="02020603050405020304" pitchFamily="18" charset="0"/>
               </a:rPr>
-              <a:t>A system that transforms environmental noises into a sparse group of active neurons is the cochlea. In HTM's language, Sparse Distributed Representations (SDRs) are employed, with a fixed number of active bits that carry semantic significance.</a:t>
+              <a:t>A system that transforms environmental noises into a sparse group of active neurons is the cochlea. In HTM's language, Sparse Distributed Representations (SDRs) are employed, with a fixed number of active bits that carry semantic significance. </a:t>
             </a:r>
           </a:p>
           <a:p>
